--- a/开题报告/开题报告.pptx
+++ b/开题报告/开题报告.pptx
@@ -211,7 +211,7 @@
             <a:fld id="{F865DBC6-38D0-498A-8F0B-8BC9AF8263A6}" type="datetimeFigureOut">
               <a:rPr lang="zh-CN" altLang="en-US" smtClean="0"/>
               <a:pPr/>
-              <a:t>2018/10/16</a:t>
+              <a:t>2018/10/17</a:t>
             </a:fld>
             <a:endParaRPr lang="zh-CN" altLang="en-US"/>
           </a:p>
@@ -2255,7 +2255,7 @@
             <a:fld id="{AC2D831D-0604-41F7-A337-F1AC1257C2FF}" type="datetimeFigureOut">
               <a:rPr lang="zh-CN" altLang="en-US" smtClean="0"/>
               <a:pPr/>
-              <a:t>2018/10/16</a:t>
+              <a:t>2018/10/17</a:t>
             </a:fld>
             <a:endParaRPr lang="zh-CN" altLang="en-US"/>
           </a:p>
@@ -2441,7 +2441,7 @@
             <a:fld id="{AC2D831D-0604-41F7-A337-F1AC1257C2FF}" type="datetimeFigureOut">
               <a:rPr lang="zh-CN" altLang="en-US" smtClean="0"/>
               <a:pPr/>
-              <a:t>2018/10/16</a:t>
+              <a:t>2018/10/17</a:t>
             </a:fld>
             <a:endParaRPr lang="zh-CN" altLang="en-US"/>
           </a:p>
@@ -2630,7 +2630,7 @@
             <a:fld id="{AC2D831D-0604-41F7-A337-F1AC1257C2FF}" type="datetimeFigureOut">
               <a:rPr lang="zh-CN" altLang="en-US" smtClean="0"/>
               <a:pPr/>
-              <a:t>2018/10/16</a:t>
+              <a:t>2018/10/17</a:t>
             </a:fld>
             <a:endParaRPr lang="zh-CN" altLang="en-US"/>
           </a:p>
@@ -2809,7 +2809,7 @@
             <a:fld id="{AC2D831D-0604-41F7-A337-F1AC1257C2FF}" type="datetimeFigureOut">
               <a:rPr lang="zh-CN" altLang="en-US" smtClean="0"/>
               <a:pPr/>
-              <a:t>2018/10/16</a:t>
+              <a:t>2018/10/17</a:t>
             </a:fld>
             <a:endParaRPr lang="zh-CN" altLang="en-US"/>
           </a:p>
@@ -3071,7 +3071,7 @@
             <a:fld id="{AC2D831D-0604-41F7-A337-F1AC1257C2FF}" type="datetimeFigureOut">
               <a:rPr lang="zh-CN" altLang="en-US" smtClean="0"/>
               <a:pPr/>
-              <a:t>2018/10/16</a:t>
+              <a:t>2018/10/17</a:t>
             </a:fld>
             <a:endParaRPr lang="zh-CN" altLang="en-US"/>
           </a:p>
@@ -3312,7 +3312,7 @@
             <a:fld id="{AC2D831D-0604-41F7-A337-F1AC1257C2FF}" type="datetimeFigureOut">
               <a:rPr lang="zh-CN" altLang="en-US" smtClean="0"/>
               <a:pPr/>
-              <a:t>2018/10/16</a:t>
+              <a:t>2018/10/17</a:t>
             </a:fld>
             <a:endParaRPr lang="zh-CN" altLang="en-US"/>
           </a:p>
@@ -3688,7 +3688,7 @@
             <a:fld id="{AC2D831D-0604-41F7-A337-F1AC1257C2FF}" type="datetimeFigureOut">
               <a:rPr lang="zh-CN" altLang="en-US" smtClean="0"/>
               <a:pPr/>
-              <a:t>2018/10/16</a:t>
+              <a:t>2018/10/17</a:t>
             </a:fld>
             <a:endParaRPr lang="zh-CN" altLang="en-US"/>
           </a:p>
@@ -3815,7 +3815,7 @@
             <a:fld id="{AC2D831D-0604-41F7-A337-F1AC1257C2FF}" type="datetimeFigureOut">
               <a:rPr lang="zh-CN" altLang="en-US" smtClean="0"/>
               <a:pPr/>
-              <a:t>2018/10/16</a:t>
+              <a:t>2018/10/17</a:t>
             </a:fld>
             <a:endParaRPr lang="zh-CN" altLang="en-US"/>
           </a:p>
@@ -3919,7 +3919,7 @@
             <a:fld id="{AC2D831D-0604-41F7-A337-F1AC1257C2FF}" type="datetimeFigureOut">
               <a:rPr lang="zh-CN" altLang="en-US" smtClean="0"/>
               <a:pPr/>
-              <a:t>2018/10/16</a:t>
+              <a:t>2018/10/17</a:t>
             </a:fld>
             <a:endParaRPr lang="zh-CN" altLang="en-US"/>
           </a:p>
@@ -4205,7 +4205,7 @@
             <a:fld id="{AC2D831D-0604-41F7-A337-F1AC1257C2FF}" type="datetimeFigureOut">
               <a:rPr lang="zh-CN" altLang="en-US" smtClean="0"/>
               <a:pPr/>
-              <a:t>2018/10/16</a:t>
+              <a:t>2018/10/17</a:t>
             </a:fld>
             <a:endParaRPr lang="zh-CN" altLang="en-US"/>
           </a:p>
@@ -4467,7 +4467,7 @@
             <a:fld id="{AC2D831D-0604-41F7-A337-F1AC1257C2FF}" type="datetimeFigureOut">
               <a:rPr lang="zh-CN" altLang="en-US" smtClean="0"/>
               <a:pPr/>
-              <a:t>2018/10/16</a:t>
+              <a:t>2018/10/17</a:t>
             </a:fld>
             <a:endParaRPr lang="zh-CN" altLang="en-US"/>
           </a:p>
@@ -4698,7 +4698,7 @@
             <a:fld id="{AC2D831D-0604-41F7-A337-F1AC1257C2FF}" type="datetimeFigureOut">
               <a:rPr lang="zh-CN" altLang="en-US" smtClean="0"/>
               <a:pPr/>
-              <a:t>2018/10/16</a:t>
+              <a:t>2018/10/17</a:t>
             </a:fld>
             <a:endParaRPr lang="zh-CN" altLang="en-US"/>
           </a:p>
@@ -5265,57 +5265,7 @@
                 <a:latin typeface="微软雅黑" panose="020B0503020204020204" pitchFamily="34" charset="-122"/>
                 <a:ea typeface="微软雅黑" panose="020B0503020204020204" pitchFamily="34" charset="-122"/>
               </a:rPr>
-              <a:t>主讲人</a:t>
-            </a:r>
-            <a:r>
-              <a:rPr lang="zh-CN" altLang="en-US" dirty="0" smtClean="0">
-                <a:solidFill>
-                  <a:schemeClr val="tx2"/>
-                </a:solidFill>
-                <a:latin typeface="微软雅黑" panose="020B0503020204020204" pitchFamily="34" charset="-122"/>
-                <a:ea typeface="微软雅黑" panose="020B0503020204020204" pitchFamily="34" charset="-122"/>
-              </a:rPr>
-              <a:t>：</a:t>
-            </a:r>
-            <a:r>
-              <a:rPr lang="zh-CN" altLang="en-US" dirty="0" smtClean="0">
-                <a:solidFill>
-                  <a:schemeClr val="tx2"/>
-                </a:solidFill>
-                <a:latin typeface="微软雅黑" panose="020B0503020204020204" pitchFamily="34" charset="-122"/>
-                <a:ea typeface="微软雅黑" panose="020B0503020204020204" pitchFamily="34" charset="-122"/>
-              </a:rPr>
-              <a:t>王明雪</a:t>
-            </a:r>
-            <a:r>
-              <a:rPr lang="zh-CN" altLang="en-US" dirty="0" smtClean="0">
-                <a:solidFill>
-                  <a:schemeClr val="tx2"/>
-                </a:solidFill>
-                <a:latin typeface="微软雅黑" panose="020B0503020204020204" pitchFamily="34" charset="-122"/>
-                <a:ea typeface="微软雅黑" panose="020B0503020204020204" pitchFamily="34" charset="-122"/>
-              </a:rPr>
-              <a:t>   指导</a:t>
-            </a:r>
-            <a:r>
-              <a:rPr lang="zh-CN" altLang="en-US" dirty="0" smtClean="0">
-                <a:solidFill>
-                  <a:schemeClr val="tx2"/>
-                </a:solidFill>
-                <a:latin typeface="微软雅黑" panose="020B0503020204020204" pitchFamily="34" charset="-122"/>
-                <a:ea typeface="微软雅黑" panose="020B0503020204020204" pitchFamily="34" charset="-122"/>
-              </a:rPr>
-              <a:t>老师</a:t>
-            </a:r>
-            <a:r>
-              <a:rPr lang="zh-CN" altLang="en-US" dirty="0" smtClean="0">
-                <a:solidFill>
-                  <a:schemeClr val="tx2"/>
-                </a:solidFill>
-                <a:latin typeface="微软雅黑" panose="020B0503020204020204" pitchFamily="34" charset="-122"/>
-                <a:ea typeface="微软雅黑" panose="020B0503020204020204" pitchFamily="34" charset="-122"/>
-              </a:rPr>
-              <a:t>：张大伟</a:t>
+              <a:t>主讲人：王明雪   指导老师：张大伟</a:t>
             </a:r>
             <a:endParaRPr lang="zh-CN" altLang="en-US" dirty="0">
               <a:solidFill>
@@ -27659,7 +27609,7 @@
         <p:spPr>
           <a:xfrm>
             <a:off x="436245" y="1306195"/>
-            <a:ext cx="11512550" cy="3693319"/>
+            <a:ext cx="11512550" cy="4062651"/>
           </a:xfrm>
           <a:prstGeom prst="rect">
             <a:avLst/>
@@ -27676,13 +27626,15 @@
           </a:p>
           <a:p>
             <a:r>
-              <a:rPr lang="en-US" altLang="zh-CN" dirty="0" smtClean="0"/>
+              <a:rPr lang="en-US" altLang="zh-CN" sz="2400" dirty="0" smtClean="0"/>
               <a:t>         </a:t>
             </a:r>
             <a:r>
               <a:rPr lang="zh-CN" altLang="zh-CN" sz="2400" dirty="0" smtClean="0"/>
-              <a:t>随着信息时代技术的发展以及硬件技术的提升，移动设备的运算能力变得日趋强大起来，因此越来越多的互联网服务请求开始迁移到移动端进行处理。同时，随着经济的发展，拥有移动智能设备的用户数量迅速上升，基于移动终端设备的服务系统也开始应运而生。高校或者企业中各种行政会议、学术交流、科研讲座也变得越来越频繁，而传统的电话预约会议室，填写纸质的会议审批表、打电话进行会议通知等方式则显得相对落后。目前已有的会议管理系统基本都是运行在计算机上的，使用上不够方便，因此开发一套高效便捷的会议登记管理系统显得很有必要。微信作为一个便捷的社交软件，已经成为了人们日常信息交流的常用工具。基于微信的会议登记管理系统对于会议信息的快速传达将给予很大的帮助。</a:t>
+              <a:t>随着信息时代技术的发展以及硬件技术的提升，移动设备的运算能力变得日趋强大起来，因此越来越多的互联网服务开始移到移动端进行处理。同时，随着经济的发展，拥有移动智能设备的用户数量迅速上升，基于移动终端设备的服务系统也开始应运而生。高校或者企业中各种行政会议、学术交流、科研讲座也变得越来越频繁，而传统的会议签到需要大量的准备工作，如统计人数，准备纸质文件等，同时，汇总信息往往不及时，使用大量的人力物力财力。目前已有的会议管理系统基本都是运行在计算机上的，使用上不够方便，因此开发一套高效便捷的会议登记管理系统显得很有必要。微信作为一个便捷的社交软件，已经成为了人们日常信息交流的常用工具。基于微信的会议登记管理系统对于会议信息的快速传达将给予很大的帮助。</a:t>
             </a:r>
+          </a:p>
+          <a:p>
             <a:endParaRPr lang="zh-CN" altLang="en-US" sz="2400" dirty="0"/>
           </a:p>
         </p:txBody>
@@ -31118,7 +31070,7 @@
                 <a:latin typeface="微软雅黑" panose="020B0503020204020204" pitchFamily="34" charset="-122"/>
                 <a:ea typeface="微软雅黑" panose="020B0503020204020204" pitchFamily="34" charset="-122"/>
               </a:rPr>
-              <a:t>方便企事业单位组织会议，</a:t>
+              <a:t>方便企业事业单位组织会议，</a:t>
             </a:r>
             <a:r>
               <a:rPr lang="zh-CN" altLang="en-US" sz="1600" dirty="0">
@@ -31168,14 +31120,14 @@
                 <a:latin typeface="微软雅黑" panose="020B0503020204020204" pitchFamily="34" charset="-122"/>
                 <a:ea typeface="微软雅黑" panose="020B0503020204020204" pitchFamily="34" charset="-122"/>
               </a:rPr>
-              <a:t>基于移动终端，</a:t>
+              <a:t>基于移动终端</a:t>
             </a:r>
             <a:r>
               <a:rPr lang="zh-CN" altLang="en-US" sz="1600" dirty="0" smtClean="0">
                 <a:latin typeface="微软雅黑" panose="020B0503020204020204" pitchFamily="34" charset="-122"/>
                 <a:ea typeface="微软雅黑" panose="020B0503020204020204" pitchFamily="34" charset="-122"/>
               </a:rPr>
-              <a:t>使会议的企事业单位及个人随时随地便查看会议申请及会议状况信息</a:t>
+              <a:t>，举办会议的事业单位及个人随时随地方便查看会议申请及会议状况信息</a:t>
             </a:r>
             <a:r>
               <a:rPr lang="zh-CN" altLang="en-US" sz="1600" dirty="0">
@@ -33292,7 +33244,7 @@
                         <p:par>
                           <p:cTn id="108" fill="hold">
                             <p:stCondLst>
-                              <p:cond delay="6670"/>
+                              <p:cond delay="6680"/>
                             </p:stCondLst>
                             <p:childTnLst>
                               <p:par>
@@ -33336,7 +33288,7 @@
                         <p:par>
                           <p:cTn id="112" fill="hold">
                             <p:stCondLst>
-                              <p:cond delay="7170"/>
+                              <p:cond delay="7180"/>
                             </p:stCondLst>
                             <p:childTnLst>
                               <p:par>
@@ -33462,7 +33414,7 @@
                         <p:par>
                           <p:cTn id="122" fill="hold">
                             <p:stCondLst>
-                              <p:cond delay="7820"/>
+                              <p:cond delay="7830"/>
                             </p:stCondLst>
                             <p:childTnLst>
                               <p:par>
@@ -35298,7 +35250,7 @@
         <p:spPr>
           <a:xfrm>
             <a:off x="759460" y="1666240"/>
-            <a:ext cx="10361930" cy="1631216"/>
+            <a:ext cx="10361930" cy="1877437"/>
           </a:xfrm>
           <a:prstGeom prst="rect">
             <a:avLst/>
@@ -35315,9 +35267,15 @@
               <a:rPr lang="zh-CN" altLang="en-US" sz="2000" dirty="0" smtClean="0">
                 <a:sym typeface="+mn-ea"/>
               </a:rPr>
-              <a:t>          客户通过在线注册完善用户报名信息，比如讲座，调研会等；等客户到达现场后，可以通过微信扫码完成客户信息登记，表示客户已经到达；并可以通过后台展示客户到达现场的情况；对于没有注册的用户，可以通过扫码方式完成用户信息；之后可以通过微信公众号，发送会议记录信息。</a:t>
+              <a:t>          </a:t>
             </a:r>
-            <a:endParaRPr lang="zh-CN" altLang="en-US" sz="2000" dirty="0"/>
+            <a:r>
+              <a:rPr lang="zh-CN" altLang="en-US" sz="2400" dirty="0" smtClean="0">
+                <a:sym typeface="+mn-ea"/>
+              </a:rPr>
+              <a:t>客户通过在线注册完善用户报名信息，比如讲座，调研会等；等客户到达现场后，可以通过微信扫码完成客户信息登记，表示客户已经到达；并可以通过后台展示客户到达现场的情况；对于没有注册的用户，可以通过扫码方式完成用户信息；之后可以通过微信公众号，发送会议记录信息。</a:t>
+            </a:r>
+            <a:endParaRPr lang="zh-CN" altLang="en-US" sz="2400" dirty="0"/>
           </a:p>
           <a:p>
             <a:endParaRPr lang="zh-CN" altLang="en-US" sz="2000" dirty="0"/>
